--- a/apresentacao.pptx
+++ b/apresentacao.pptx
@@ -12,6 +12,7 @@
     <p:sldId id="260" r:id="rId6"/>
     <p:sldId id="261" r:id="rId7"/>
     <p:sldId id="262" r:id="rId8"/>
+    <p:sldId id="263" r:id="rId9"/>
   </p:sldIdLst>
   <p:sldSz cx="12192000" cy="6858000"/>
   <p:notesSz cx="6858000" cy="9144000"/>
@@ -110,6 +111,11 @@
       </a:defRPr>
     </a:lvl9pPr>
   </p:defaultTextStyle>
+  <p:extLst>
+    <p:ext uri="{EFAFB233-063F-42B5-8137-9DF3F51BA10A}">
+      <p15:sldGuideLst xmlns:p15="http://schemas.microsoft.com/office/powerpoint/2012/main"/>
+    </p:ext>
+  </p:extLst>
 </p:presentation>
 </file>
 
@@ -3353,7 +3359,7 @@
         </p:nvSpPr>
         <p:spPr>
           <a:xfrm>
-            <a:off x="131135" y="1552352"/>
+            <a:off x="131135" y="956929"/>
             <a:ext cx="11929730" cy="2945219"/>
           </a:xfrm>
         </p:spPr>
@@ -3472,6 +3478,202 @@
           </a:p>
         </p:txBody>
       </p:sp>
+      <p:pic>
+        <p:nvPicPr>
+          <p:cNvPr id="1026" name="Picture 2" descr="Ver a imagem de origem">
+            <a:extLst>
+              <a:ext uri="{FF2B5EF4-FFF2-40B4-BE49-F238E27FC236}">
+                <a16:creationId xmlns:a16="http://schemas.microsoft.com/office/drawing/2014/main" id="{1C1FCD0A-9CB7-4FB3-A8FC-EE5A5280EEDA}"/>
+              </a:ext>
+            </a:extLst>
+          </p:cNvPr>
+          <p:cNvPicPr>
+            <a:picLocks noChangeAspect="1" noChangeArrowheads="1"/>
+          </p:cNvPicPr>
+          <p:nvPr/>
+        </p:nvPicPr>
+        <p:blipFill>
+          <a:blip r:embed="rId2">
+            <a:extLst>
+              <a:ext uri="{28A0092B-C50C-407E-A947-70E740481C1C}">
+                <a14:useLocalDpi xmlns:a14="http://schemas.microsoft.com/office/drawing/2010/main" val="0"/>
+              </a:ext>
+            </a:extLst>
+          </a:blip>
+          <a:srcRect/>
+          <a:stretch>
+            <a:fillRect/>
+          </a:stretch>
+        </p:blipFill>
+        <p:spPr bwMode="auto">
+          <a:xfrm>
+            <a:off x="7411004" y="4586559"/>
+            <a:ext cx="4380503" cy="1314512"/>
+          </a:xfrm>
+          <a:prstGeom prst="rect">
+            <a:avLst/>
+          </a:prstGeom>
+          <a:noFill/>
+          <a:extLst>
+            <a:ext uri="{909E8E84-426E-40DD-AFC4-6F175D3DCCD1}">
+              <a14:hiddenFill xmlns:a14="http://schemas.microsoft.com/office/drawing/2010/main">
+                <a:solidFill>
+                  <a:srgbClr val="FFFFFF"/>
+                </a:solidFill>
+              </a14:hiddenFill>
+            </a:ext>
+          </a:extLst>
+        </p:spPr>
+      </p:pic>
+      <p:sp>
+        <p:nvSpPr>
+          <p:cNvPr id="5" name="Título 1">
+            <a:extLst>
+              <a:ext uri="{FF2B5EF4-FFF2-40B4-BE49-F238E27FC236}">
+                <a16:creationId xmlns:a16="http://schemas.microsoft.com/office/drawing/2014/main" id="{AB785C0E-46EB-4B4C-93C8-5AA400B45D69}"/>
+              </a:ext>
+            </a:extLst>
+          </p:cNvPr>
+          <p:cNvSpPr txBox="1">
+            <a:spLocks/>
+          </p:cNvSpPr>
+          <p:nvPr/>
+        </p:nvSpPr>
+        <p:spPr>
+          <a:xfrm>
+            <a:off x="400493" y="4218762"/>
+            <a:ext cx="2891347" cy="718998"/>
+          </a:xfrm>
+          <a:prstGeom prst="rect">
+            <a:avLst/>
+          </a:prstGeom>
+        </p:spPr>
+        <p:txBody>
+          <a:bodyPr vert="horz" lIns="91440" tIns="45720" rIns="91440" bIns="45720" rtlCol="0" anchor="b">
+            <a:normAutofit lnSpcReduction="10000"/>
+          </a:bodyPr>
+          <a:lstStyle>
+            <a:lvl1pPr algn="ctr" defTabSz="914400" rtl="0" eaLnBrk="1" latinLnBrk="0" hangingPunct="1">
+              <a:lnSpc>
+                <a:spcPct val="90000"/>
+              </a:lnSpc>
+              <a:spcBef>
+                <a:spcPct val="0"/>
+              </a:spcBef>
+              <a:buNone/>
+              <a:defRPr sz="6000" kern="1200">
+                <a:solidFill>
+                  <a:schemeClr val="tx1"/>
+                </a:solidFill>
+                <a:latin typeface="+mj-lt"/>
+                <a:ea typeface="+mj-ea"/>
+                <a:cs typeface="+mj-cs"/>
+              </a:defRPr>
+            </a:lvl1pPr>
+          </a:lstStyle>
+          <a:p>
+            <a:r>
+              <a:rPr lang="pt-BR" sz="4800" dirty="0">
+                <a:ln w="19050">
+                  <a:solidFill>
+                    <a:schemeClr val="tx1"/>
+                  </a:solidFill>
+                </a:ln>
+                <a:solidFill>
+                  <a:schemeClr val="bg1"/>
+                </a:solidFill>
+                <a:latin typeface="Arial Black" panose="020B0A04020102020204" pitchFamily="34" charset="0"/>
+                <a:cs typeface="Aharoni" panose="02010803020104030203" pitchFamily="2" charset="-79"/>
+              </a:rPr>
+              <a:t>Grupo 7</a:t>
+            </a:r>
+          </a:p>
+        </p:txBody>
+      </p:sp>
+      <p:sp>
+        <p:nvSpPr>
+          <p:cNvPr id="6" name="Título 1">
+            <a:extLst>
+              <a:ext uri="{FF2B5EF4-FFF2-40B4-BE49-F238E27FC236}">
+                <a16:creationId xmlns:a16="http://schemas.microsoft.com/office/drawing/2014/main" id="{E2C40048-32F0-4896-AAD9-3DBFD8D654AB}"/>
+              </a:ext>
+            </a:extLst>
+          </p:cNvPr>
+          <p:cNvSpPr txBox="1">
+            <a:spLocks/>
+          </p:cNvSpPr>
+          <p:nvPr/>
+        </p:nvSpPr>
+        <p:spPr>
+          <a:xfrm>
+            <a:off x="409520" y="4837042"/>
+            <a:ext cx="4380503" cy="1064029"/>
+          </a:xfrm>
+          <a:prstGeom prst="rect">
+            <a:avLst/>
+          </a:prstGeom>
+        </p:spPr>
+        <p:txBody>
+          <a:bodyPr vert="horz" lIns="91440" tIns="45720" rIns="91440" bIns="45720" rtlCol="0" anchor="b">
+            <a:normAutofit/>
+          </a:bodyPr>
+          <a:lstStyle>
+            <a:lvl1pPr algn="ctr" defTabSz="914400" rtl="0" eaLnBrk="1" latinLnBrk="0" hangingPunct="1">
+              <a:lnSpc>
+                <a:spcPct val="90000"/>
+              </a:lnSpc>
+              <a:spcBef>
+                <a:spcPct val="0"/>
+              </a:spcBef>
+              <a:buNone/>
+              <a:defRPr sz="6000" kern="1200">
+                <a:solidFill>
+                  <a:schemeClr val="tx1"/>
+                </a:solidFill>
+                <a:latin typeface="+mj-lt"/>
+                <a:ea typeface="+mj-ea"/>
+                <a:cs typeface="+mj-cs"/>
+              </a:defRPr>
+            </a:lvl1pPr>
+          </a:lstStyle>
+          <a:p>
+            <a:pPr algn="l"/>
+            <a:r>
+              <a:rPr lang="pt-BR" sz="3200" dirty="0">
+                <a:ln w="19050">
+                  <a:solidFill>
+                    <a:schemeClr val="tx1"/>
+                  </a:solidFill>
+                </a:ln>
+                <a:solidFill>
+                  <a:schemeClr val="bg1"/>
+                </a:solidFill>
+                <a:latin typeface="Arial Black" panose="020B0A04020102020204" pitchFamily="34" charset="0"/>
+                <a:cs typeface="Aharoni" panose="02010803020104030203" pitchFamily="2" charset="-79"/>
+              </a:rPr>
+              <a:t>Eduardo Santana</a:t>
+            </a:r>
+          </a:p>
+          <a:p>
+            <a:pPr algn="l"/>
+            <a:r>
+              <a:rPr lang="pt-BR" sz="3200" dirty="0">
+                <a:ln w="19050">
+                  <a:solidFill>
+                    <a:schemeClr val="tx1"/>
+                  </a:solidFill>
+                </a:ln>
+                <a:solidFill>
+                  <a:schemeClr val="bg1"/>
+                </a:solidFill>
+                <a:latin typeface="Arial Black" panose="020B0A04020102020204" pitchFamily="34" charset="0"/>
+                <a:cs typeface="Aharoni" panose="02010803020104030203" pitchFamily="2" charset="-79"/>
+              </a:rPr>
+              <a:t>Rodrigo Azevedo</a:t>
+            </a:r>
+          </a:p>
+        </p:txBody>
+      </p:sp>
     </p:spTree>
     <p:extLst>
       <p:ext uri="{BB962C8B-B14F-4D97-AF65-F5344CB8AC3E}">
@@ -3482,13 +3684,13 @@
   <p:clrMapOvr>
     <a:masterClrMapping/>
   </p:clrMapOvr>
-  <mc:AlternateContent xmlns:mc="http://schemas.openxmlformats.org/markup-compatibility/2006">
-    <mc:Choice xmlns:p14="http://schemas.microsoft.com/office/powerpoint/2010/main" Requires="p14">
+  <mc:AlternateContent xmlns:mc="http://schemas.openxmlformats.org/markup-compatibility/2006" xmlns:p14="http://schemas.microsoft.com/office/powerpoint/2010/main">
+    <mc:Choice Requires="p14">
       <p:transition spd="med" p14:dur="700">
         <p:fade/>
       </p:transition>
     </mc:Choice>
-    <mc:Fallback>
+    <mc:Fallback xmlns="">
       <p:transition spd="med">
         <p:fade/>
       </p:transition>
@@ -4899,6 +5101,245 @@
     <p:extLst>
       <p:ext uri="{BB962C8B-B14F-4D97-AF65-F5344CB8AC3E}">
         <p14:creationId xmlns:p14="http://schemas.microsoft.com/office/powerpoint/2010/main" val="678770763"/>
+      </p:ext>
+    </p:extLst>
+  </p:cSld>
+  <p:clrMapOvr>
+    <a:masterClrMapping/>
+  </p:clrMapOvr>
+  <p:transition spd="slow">
+    <p:push dir="u"/>
+  </p:transition>
+</p:sld>
+</file>
+
+<file path=ppt/slides/slide8.xml><?xml version="1.0" encoding="utf-8"?>
+<p:sld xmlns:a="http://schemas.openxmlformats.org/drawingml/2006/main" xmlns:r="http://schemas.openxmlformats.org/officeDocument/2006/relationships" xmlns:p="http://schemas.openxmlformats.org/presentationml/2006/main">
+  <p:cSld>
+    <p:bg>
+      <p:bgPr>
+        <a:solidFill>
+          <a:srgbClr val="F77F00"/>
+        </a:solidFill>
+        <a:effectLst/>
+      </p:bgPr>
+    </p:bg>
+    <p:spTree>
+      <p:nvGrpSpPr>
+        <p:cNvPr id="1" name=""/>
+        <p:cNvGrpSpPr/>
+        <p:nvPr/>
+      </p:nvGrpSpPr>
+      <p:grpSpPr>
+        <a:xfrm>
+          <a:off x="0" y="0"/>
+          <a:ext cx="0" cy="0"/>
+          <a:chOff x="0" y="0"/>
+          <a:chExt cx="0" cy="0"/>
+        </a:xfrm>
+      </p:grpSpPr>
+      <p:sp>
+        <p:nvSpPr>
+          <p:cNvPr id="2" name="Título 1">
+            <a:extLst>
+              <a:ext uri="{FF2B5EF4-FFF2-40B4-BE49-F238E27FC236}">
+                <a16:creationId xmlns:a16="http://schemas.microsoft.com/office/drawing/2014/main" id="{0882C89A-EB8E-4581-AE6A-D3344540E60E}"/>
+              </a:ext>
+            </a:extLst>
+          </p:cNvPr>
+          <p:cNvSpPr>
+            <a:spLocks noGrp="1"/>
+          </p:cNvSpPr>
+          <p:nvPr>
+            <p:ph type="ctrTitle"/>
+          </p:nvPr>
+        </p:nvSpPr>
+        <p:spPr>
+          <a:xfrm>
+            <a:off x="468630" y="505080"/>
+            <a:ext cx="10652760" cy="955335"/>
+          </a:xfrm>
+        </p:spPr>
+        <p:txBody>
+          <a:bodyPr>
+            <a:noAutofit/>
+          </a:bodyPr>
+          <a:lstStyle/>
+          <a:p>
+            <a:pPr algn="l"/>
+            <a:r>
+              <a:rPr lang="pt-BR" sz="6600" b="1" dirty="0">
+                <a:ln w="19050">
+                  <a:solidFill>
+                    <a:schemeClr val="tx1"/>
+                  </a:solidFill>
+                </a:ln>
+                <a:solidFill>
+                  <a:schemeClr val="bg1"/>
+                </a:solidFill>
+                <a:latin typeface="Roboto" panose="02000000000000000000" pitchFamily="2" charset="0"/>
+                <a:ea typeface="Roboto" panose="02000000000000000000" pitchFamily="2" charset="0"/>
+                <a:cs typeface="Aharoni" panose="02010803020104030203" pitchFamily="2" charset="-79"/>
+              </a:rPr>
+              <a:t>Próximas atualizações?</a:t>
+            </a:r>
+          </a:p>
+        </p:txBody>
+      </p:sp>
+      <p:pic>
+        <p:nvPicPr>
+          <p:cNvPr id="5" name="Imagem 4">
+            <a:extLst>
+              <a:ext uri="{FF2B5EF4-FFF2-40B4-BE49-F238E27FC236}">
+                <a16:creationId xmlns:a16="http://schemas.microsoft.com/office/drawing/2014/main" id="{5F1401CC-63D0-4CC3-BD56-898631AC9EA0}"/>
+              </a:ext>
+            </a:extLst>
+          </p:cNvPr>
+          <p:cNvPicPr>
+            <a:picLocks noChangeAspect="1"/>
+          </p:cNvPicPr>
+          <p:nvPr/>
+        </p:nvPicPr>
+        <p:blipFill>
+          <a:blip r:embed="rId2">
+            <a:extLst>
+              <a:ext uri="{28A0092B-C50C-407E-A947-70E740481C1C}">
+                <a14:useLocalDpi xmlns:a14="http://schemas.microsoft.com/office/drawing/2010/main" val="0"/>
+              </a:ext>
+            </a:extLst>
+          </a:blip>
+          <a:stretch>
+            <a:fillRect/>
+          </a:stretch>
+        </p:blipFill>
+        <p:spPr>
+          <a:xfrm>
+            <a:off x="10022958" y="4643614"/>
+            <a:ext cx="1916430" cy="1806004"/>
+          </a:xfrm>
+          <a:prstGeom prst="rect">
+            <a:avLst/>
+          </a:prstGeom>
+        </p:spPr>
+      </p:pic>
+      <p:sp>
+        <p:nvSpPr>
+          <p:cNvPr id="3" name="CaixaDeTexto 2">
+            <a:extLst>
+              <a:ext uri="{FF2B5EF4-FFF2-40B4-BE49-F238E27FC236}">
+                <a16:creationId xmlns:a16="http://schemas.microsoft.com/office/drawing/2014/main" id="{C174D510-59AB-4BD2-B8F9-39C9BBE0EA35}"/>
+              </a:ext>
+            </a:extLst>
+          </p:cNvPr>
+          <p:cNvSpPr txBox="1"/>
+          <p:nvPr/>
+        </p:nvSpPr>
+        <p:spPr>
+          <a:xfrm>
+            <a:off x="468630" y="1542136"/>
+            <a:ext cx="9165700" cy="3252172"/>
+          </a:xfrm>
+          <a:prstGeom prst="rect">
+            <a:avLst/>
+          </a:prstGeom>
+          <a:noFill/>
+        </p:spPr>
+        <p:txBody>
+          <a:bodyPr wrap="square" rtlCol="0">
+            <a:spAutoFit/>
+          </a:bodyPr>
+          <a:lstStyle/>
+          <a:p>
+            <a:pPr marL="457200" indent="-457200" algn="just">
+              <a:lnSpc>
+                <a:spcPct val="150000"/>
+              </a:lnSpc>
+              <a:buFont typeface="Arial" panose="020B0604020202020204" pitchFamily="34" charset="0"/>
+              <a:buChar char="•"/>
+            </a:pPr>
+            <a:r>
+              <a:rPr lang="pt-BR" sz="2800" b="1" dirty="0">
+                <a:latin typeface="Roboto" panose="02000000000000000000" pitchFamily="2" charset="0"/>
+                <a:ea typeface="Roboto" panose="02000000000000000000" pitchFamily="2" charset="0"/>
+                <a:cs typeface="Times New Roman" panose="02020603050405020304" pitchFamily="18" charset="0"/>
+              </a:rPr>
+              <a:t>Notificações por e-mail para o vendedor</a:t>
+            </a:r>
+          </a:p>
+          <a:p>
+            <a:pPr marL="457200" indent="-457200" algn="just">
+              <a:lnSpc>
+                <a:spcPct val="150000"/>
+              </a:lnSpc>
+              <a:buFont typeface="Arial" panose="020B0604020202020204" pitchFamily="34" charset="0"/>
+              <a:buChar char="•"/>
+            </a:pPr>
+            <a:r>
+              <a:rPr lang="pt-BR" sz="2800" b="1" dirty="0">
+                <a:latin typeface="Roboto" panose="02000000000000000000" pitchFamily="2" charset="0"/>
+                <a:ea typeface="Roboto" panose="02000000000000000000" pitchFamily="2" charset="0"/>
+                <a:cs typeface="Times New Roman" panose="02020603050405020304" pitchFamily="18" charset="0"/>
+              </a:rPr>
+              <a:t>Sistemas de envio por PLP (Correios)</a:t>
+            </a:r>
+          </a:p>
+          <a:p>
+            <a:pPr marL="457200" indent="-457200" algn="just">
+              <a:lnSpc>
+                <a:spcPct val="150000"/>
+              </a:lnSpc>
+              <a:buFont typeface="Arial" panose="020B0604020202020204" pitchFamily="34" charset="0"/>
+              <a:buChar char="•"/>
+            </a:pPr>
+            <a:r>
+              <a:rPr lang="pt-BR" sz="2800" b="1" dirty="0">
+                <a:latin typeface="Roboto" panose="02000000000000000000" pitchFamily="2" charset="0"/>
+                <a:ea typeface="Roboto" panose="02000000000000000000" pitchFamily="2" charset="0"/>
+                <a:cs typeface="Times New Roman" panose="02020603050405020304" pitchFamily="18" charset="0"/>
+              </a:rPr>
+              <a:t>Sistemas de pagamento ( MercadoPago, PagSeguro)</a:t>
+            </a:r>
+          </a:p>
+          <a:p>
+            <a:pPr marL="457200" indent="-457200" algn="just">
+              <a:lnSpc>
+                <a:spcPct val="150000"/>
+              </a:lnSpc>
+              <a:buFont typeface="Arial" panose="020B0604020202020204" pitchFamily="34" charset="0"/>
+              <a:buChar char="•"/>
+            </a:pPr>
+            <a:r>
+              <a:rPr lang="pt-BR" sz="2800" b="1" dirty="0">
+                <a:latin typeface="Roboto" panose="02000000000000000000" pitchFamily="2" charset="0"/>
+                <a:ea typeface="Roboto" panose="02000000000000000000" pitchFamily="2" charset="0"/>
+                <a:cs typeface="Times New Roman" panose="02020603050405020304" pitchFamily="18" charset="0"/>
+              </a:rPr>
+              <a:t>Ranking de melhores vendedores.</a:t>
+            </a:r>
+          </a:p>
+          <a:p>
+            <a:pPr marL="457200" indent="-457200" algn="just">
+              <a:lnSpc>
+                <a:spcPct val="150000"/>
+              </a:lnSpc>
+              <a:buFont typeface="Arial" panose="020B0604020202020204" pitchFamily="34" charset="0"/>
+              <a:buChar char="•"/>
+            </a:pPr>
+            <a:r>
+              <a:rPr lang="pt-BR" sz="2800" b="1" dirty="0">
+                <a:latin typeface="Roboto" panose="02000000000000000000" pitchFamily="2" charset="0"/>
+                <a:ea typeface="Roboto" panose="02000000000000000000" pitchFamily="2" charset="0"/>
+                <a:cs typeface="Times New Roman" panose="02020603050405020304" pitchFamily="18" charset="0"/>
+              </a:rPr>
+              <a:t>Clube de desconto para os clientes.</a:t>
+            </a:r>
+          </a:p>
+        </p:txBody>
+      </p:sp>
+    </p:spTree>
+    <p:extLst>
+      <p:ext uri="{BB962C8B-B14F-4D97-AF65-F5344CB8AC3E}">
+        <p14:creationId xmlns:p14="http://schemas.microsoft.com/office/powerpoint/2010/main" val="3634106704"/>
       </p:ext>
     </p:extLst>
   </p:cSld>
